--- a/MaeshiroMinoru_HousePrices_USA.pptx
+++ b/MaeshiroMinoru_HousePrices_USA.pptx
@@ -5,7 +5,7 @@
     <p:sldMasterId id="2147483720" r:id="rId1"/>
   </p:sldMasterIdLst>
   <p:notesMasterIdLst>
-    <p:notesMasterId r:id="rId46"/>
+    <p:notesMasterId r:id="rId49"/>
   </p:notesMasterIdLst>
   <p:sldIdLst>
     <p:sldId id="263" r:id="rId2"/>
@@ -46,12 +46,15 @@
     <p:sldId id="680" r:id="rId37"/>
     <p:sldId id="681" r:id="rId38"/>
     <p:sldId id="683" r:id="rId39"/>
-    <p:sldId id="675" r:id="rId40"/>
-    <p:sldId id="658" r:id="rId41"/>
-    <p:sldId id="659" r:id="rId42"/>
-    <p:sldId id="676" r:id="rId43"/>
-    <p:sldId id="677" r:id="rId44"/>
-    <p:sldId id="678" r:id="rId45"/>
+    <p:sldId id="686" r:id="rId40"/>
+    <p:sldId id="687" r:id="rId41"/>
+    <p:sldId id="688" r:id="rId42"/>
+    <p:sldId id="675" r:id="rId43"/>
+    <p:sldId id="658" r:id="rId44"/>
+    <p:sldId id="659" r:id="rId45"/>
+    <p:sldId id="676" r:id="rId46"/>
+    <p:sldId id="677" r:id="rId47"/>
+    <p:sldId id="678" r:id="rId48"/>
   </p:sldIdLst>
   <p:sldSz cx="9144000" cy="6858000" type="screen4x3"/>
   <p:notesSz cx="6858000" cy="9144000"/>
@@ -257,7 +260,7 @@
           <a:p>
             <a:fld id="{0E902378-93B9-4E59-A784-422F32D0B00B}" type="datetimeFigureOut">
               <a:rPr lang="es-BO" smtClean="0"/>
-              <a:t>4/5/2019</a:t>
+              <a:t>6/5/2019</a:t>
             </a:fld>
             <a:endParaRPr lang="es-BO"/>
           </a:p>
@@ -706,7 +709,7 @@
           <a:p>
             <a:fld id="{CA9214C3-A11D-4376-8CFC-A70DCBAA4585}" type="datetime1">
               <a:rPr lang="es-GT" smtClean="0"/>
-              <a:t>4/05/2019</a:t>
+              <a:t>6/05/2019</a:t>
             </a:fld>
             <a:endParaRPr lang="es-GT"/>
           </a:p>
@@ -876,7 +879,7 @@
           <a:p>
             <a:fld id="{FFEB194C-833C-431E-8F81-396FCA518999}" type="datetime1">
               <a:rPr lang="es-GT" smtClean="0"/>
-              <a:t>4/05/2019</a:t>
+              <a:t>6/05/2019</a:t>
             </a:fld>
             <a:endParaRPr lang="es-GT"/>
           </a:p>
@@ -1056,7 +1059,7 @@
           <a:p>
             <a:fld id="{8396FF9C-CED1-410B-B1F7-790FDFFD214F}" type="datetime1">
               <a:rPr lang="es-GT" smtClean="0"/>
-              <a:t>4/05/2019</a:t>
+              <a:t>6/05/2019</a:t>
             </a:fld>
             <a:endParaRPr lang="es-GT"/>
           </a:p>
@@ -1226,7 +1229,7 @@
           <a:p>
             <a:fld id="{B87AFAFD-FCAC-475F-A557-4602AB7A3523}" type="datetime1">
               <a:rPr lang="es-GT" smtClean="0"/>
-              <a:t>4/05/2019</a:t>
+              <a:t>6/05/2019</a:t>
             </a:fld>
             <a:endParaRPr lang="es-GT"/>
           </a:p>
@@ -1472,7 +1475,7 @@
           <a:p>
             <a:fld id="{E711186D-2702-4066-BC10-62EC6BFADF99}" type="datetime1">
               <a:rPr lang="es-GT" smtClean="0"/>
-              <a:t>4/05/2019</a:t>
+              <a:t>6/05/2019</a:t>
             </a:fld>
             <a:endParaRPr lang="es-GT"/>
           </a:p>
@@ -1760,7 +1763,7 @@
           <a:p>
             <a:fld id="{C099C4F6-7F05-49E4-AFFD-255D4B723251}" type="datetime1">
               <a:rPr lang="es-GT" smtClean="0"/>
-              <a:t>4/05/2019</a:t>
+              <a:t>6/05/2019</a:t>
             </a:fld>
             <a:endParaRPr lang="es-GT"/>
           </a:p>
@@ -2182,7 +2185,7 @@
           <a:p>
             <a:fld id="{49295EE4-2BEA-4F8E-AE0D-44DC3609E904}" type="datetime1">
               <a:rPr lang="es-GT" smtClean="0"/>
-              <a:t>4/05/2019</a:t>
+              <a:t>6/05/2019</a:t>
             </a:fld>
             <a:endParaRPr lang="es-GT"/>
           </a:p>
@@ -2300,7 +2303,7 @@
           <a:p>
             <a:fld id="{3AC52336-26F2-44A7-9E09-2B0B3AAF4D02}" type="datetime1">
               <a:rPr lang="es-GT" smtClean="0"/>
-              <a:t>4/05/2019</a:t>
+              <a:t>6/05/2019</a:t>
             </a:fld>
             <a:endParaRPr lang="es-GT"/>
           </a:p>
@@ -2395,7 +2398,7 @@
           <a:p>
             <a:fld id="{255E4EA5-7456-4562-9CB2-64714490FEE9}" type="datetime1">
               <a:rPr lang="es-GT" smtClean="0"/>
-              <a:t>4/05/2019</a:t>
+              <a:t>6/05/2019</a:t>
             </a:fld>
             <a:endParaRPr lang="es-GT"/>
           </a:p>
@@ -2672,7 +2675,7 @@
           <a:p>
             <a:fld id="{6D43BDB8-FDEC-475B-BC08-305BCA040797}" type="datetime1">
               <a:rPr lang="es-GT" smtClean="0"/>
-              <a:t>4/05/2019</a:t>
+              <a:t>6/05/2019</a:t>
             </a:fld>
             <a:endParaRPr lang="es-GT"/>
           </a:p>
@@ -2925,7 +2928,7 @@
           <a:p>
             <a:fld id="{6EC2C337-62B9-4F7F-B54F-D693761CF123}" type="datetime1">
               <a:rPr lang="es-GT" smtClean="0"/>
-              <a:t>4/05/2019</a:t>
+              <a:t>6/05/2019</a:t>
             </a:fld>
             <a:endParaRPr lang="es-GT"/>
           </a:p>
@@ -3138,7 +3141,7 @@
           <a:p>
             <a:fld id="{DF62FB0C-2153-4E48-A380-0803396B2C90}" type="datetime1">
               <a:rPr lang="es-GT" smtClean="0"/>
-              <a:t>4/05/2019</a:t>
+              <a:t>6/05/2019</a:t>
             </a:fld>
             <a:endParaRPr lang="es-GT"/>
           </a:p>
@@ -3669,7 +3672,7 @@
         </p:blipFill>
         <p:spPr>
           <a:xfrm>
-            <a:off x="381000" y="457200"/>
+            <a:off x="397267" y="1137409"/>
             <a:ext cx="8382000" cy="2087880"/>
           </a:xfrm>
           <a:prstGeom prst="rect">
@@ -3690,6 +3693,36 @@
             <a:schemeClr val="dk1"/>
           </a:fontRef>
         </p:style>
+      </p:pic>
+      <p:pic>
+        <p:nvPicPr>
+          <p:cNvPr id="2" name="Picture 1">
+            <a:extLst>
+              <a:ext uri="{FF2B5EF4-FFF2-40B4-BE49-F238E27FC236}">
+                <a16:creationId xmlns:a16="http://schemas.microsoft.com/office/drawing/2014/main" id="{13EAA286-7561-4E84-8EF6-C15FA06F1B50}"/>
+              </a:ext>
+            </a:extLst>
+          </p:cNvPr>
+          <p:cNvPicPr>
+            <a:picLocks noChangeAspect="1"/>
+          </p:cNvPicPr>
+          <p:nvPr/>
+        </p:nvPicPr>
+        <p:blipFill>
+          <a:blip r:embed="rId3"/>
+          <a:stretch>
+            <a:fillRect/>
+          </a:stretch>
+        </p:blipFill>
+        <p:spPr>
+          <a:xfrm>
+            <a:off x="5364088" y="327511"/>
+            <a:ext cx="2592288" cy="618852"/>
+          </a:xfrm>
+          <a:prstGeom prst="rect">
+            <a:avLst/>
+          </a:prstGeom>
+        </p:spPr>
       </p:pic>
     </p:spTree>
     <p:extLst>
@@ -5360,7 +5393,7 @@
         </p:spPr>
         <p:txBody>
           <a:bodyPr>
-            <a:normAutofit fontScale="92500" lnSpcReduction="20000"/>
+            <a:normAutofit fontScale="85000" lnSpcReduction="20000"/>
           </a:bodyPr>
           <a:lstStyle/>
           <a:p>
@@ -5454,6 +5487,15 @@
             <a:r>
               <a:rPr lang="en-US" dirty="0"/>
               <a:t>	3.2 Return prediction with ARIMA models</a:t>
+            </a:r>
+          </a:p>
+          <a:p>
+            <a:pPr marL="0" indent="0">
+              <a:buNone/>
+            </a:pPr>
+            <a:r>
+              <a:rPr lang="en-US" dirty="0"/>
+              <a:t>	3.3 Vector Autoregressive models</a:t>
             </a:r>
           </a:p>
           <a:p>
@@ -7187,6 +7229,36 @@
           </a:prstGeom>
         </p:spPr>
       </p:pic>
+      <p:pic>
+        <p:nvPicPr>
+          <p:cNvPr id="7" name="Picture 6">
+            <a:extLst>
+              <a:ext uri="{FF2B5EF4-FFF2-40B4-BE49-F238E27FC236}">
+                <a16:creationId xmlns:a16="http://schemas.microsoft.com/office/drawing/2014/main" id="{B73EFBBF-7923-43F9-9C1E-72D992A3D658}"/>
+              </a:ext>
+            </a:extLst>
+          </p:cNvPr>
+          <p:cNvPicPr>
+            <a:picLocks noChangeAspect="1"/>
+          </p:cNvPicPr>
+          <p:nvPr/>
+        </p:nvPicPr>
+        <p:blipFill>
+          <a:blip r:embed="rId3"/>
+          <a:stretch>
+            <a:fillRect/>
+          </a:stretch>
+        </p:blipFill>
+        <p:spPr>
+          <a:xfrm>
+            <a:off x="5796136" y="5013176"/>
+            <a:ext cx="2592288" cy="618852"/>
+          </a:xfrm>
+          <a:prstGeom prst="rect">
+            <a:avLst/>
+          </a:prstGeom>
+        </p:spPr>
+      </p:pic>
     </p:spTree>
     <p:extLst>
       <p:ext uri="{BB962C8B-B14F-4D97-AF65-F5344CB8AC3E}">
@@ -7302,6 +7374,36 @@
           <a:xfrm>
             <a:off x="6090989" y="136525"/>
             <a:ext cx="2657475" cy="1828800"/>
+          </a:xfrm>
+          <a:prstGeom prst="rect">
+            <a:avLst/>
+          </a:prstGeom>
+        </p:spPr>
+      </p:pic>
+      <p:pic>
+        <p:nvPicPr>
+          <p:cNvPr id="6" name="Picture 5">
+            <a:extLst>
+              <a:ext uri="{FF2B5EF4-FFF2-40B4-BE49-F238E27FC236}">
+                <a16:creationId xmlns:a16="http://schemas.microsoft.com/office/drawing/2014/main" id="{35B8524F-57C5-4975-B101-19AF683BB0D8}"/>
+              </a:ext>
+            </a:extLst>
+          </p:cNvPr>
+          <p:cNvPicPr>
+            <a:picLocks noChangeAspect="1"/>
+          </p:cNvPicPr>
+          <p:nvPr/>
+        </p:nvPicPr>
+        <p:blipFill>
+          <a:blip r:embed="rId3"/>
+          <a:stretch>
+            <a:fillRect/>
+          </a:stretch>
+        </p:blipFill>
+        <p:spPr>
+          <a:xfrm>
+            <a:off x="6023021" y="5260541"/>
+            <a:ext cx="2592288" cy="618852"/>
           </a:xfrm>
           <a:prstGeom prst="rect">
             <a:avLst/>
@@ -8987,56 +9089,13 @@
       </p:grpSpPr>
       <p:sp>
         <p:nvSpPr>
-          <p:cNvPr id="3" name="2 Marcador de contenido"/>
-          <p:cNvSpPr>
-            <a:spLocks noGrp="1"/>
-          </p:cNvSpPr>
-          <p:nvPr>
-            <p:ph idx="1"/>
-          </p:nvPr>
-        </p:nvSpPr>
-        <p:spPr>
-          <a:xfrm>
-            <a:off x="395536" y="764704"/>
-            <a:ext cx="8229600" cy="5256584"/>
-          </a:xfrm>
-        </p:spPr>
-        <p:txBody>
-          <a:bodyPr>
-            <a:normAutofit/>
-          </a:bodyPr>
-          <a:lstStyle/>
-          <a:p>
-            <a:pPr marL="0" indent="0">
-              <a:buNone/>
-            </a:pPr>
-            <a:endParaRPr lang="es-BO" dirty="0"/>
-          </a:p>
-          <a:p>
-            <a:pPr marL="0" indent="0">
-              <a:buNone/>
-            </a:pPr>
-            <a:endParaRPr lang="es-BO" dirty="0"/>
-          </a:p>
-          <a:p>
-            <a:pPr marL="0" indent="0" algn="ctr">
-              <a:buNone/>
-            </a:pPr>
-            <a:r>
-              <a:rPr lang="es-BO" sz="7200" b="1" dirty="0"/>
-              <a:t>3. </a:t>
-            </a:r>
-            <a:r>
-              <a:rPr lang="es-BO" sz="7200" b="1" dirty="0" err="1"/>
-              <a:t>Conclusions</a:t>
-            </a:r>
-            <a:endParaRPr lang="es-BO" sz="7200" b="1" dirty="0"/>
-          </a:p>
-        </p:txBody>
-      </p:sp>
-      <p:sp>
-        <p:nvSpPr>
-          <p:cNvPr id="5" name="4 Marcador de número de diapositiva"/>
+          <p:cNvPr id="3" name="Slide Number Placeholder 2">
+            <a:extLst>
+              <a:ext uri="{FF2B5EF4-FFF2-40B4-BE49-F238E27FC236}">
+                <a16:creationId xmlns:a16="http://schemas.microsoft.com/office/drawing/2014/main" id="{AFFC56DF-51A7-4277-9970-1C6CBCBF72E5}"/>
+              </a:ext>
+            </a:extLst>
+          </p:cNvPr>
           <p:cNvSpPr>
             <a:spLocks noGrp="1"/>
           </p:cNvSpPr>
@@ -9057,10 +9116,45 @@
           </a:p>
         </p:txBody>
       </p:sp>
+      <p:sp>
+        <p:nvSpPr>
+          <p:cNvPr id="4" name="Rectangle 3">
+            <a:extLst>
+              <a:ext uri="{FF2B5EF4-FFF2-40B4-BE49-F238E27FC236}">
+                <a16:creationId xmlns:a16="http://schemas.microsoft.com/office/drawing/2014/main" id="{5DC28D66-E4F5-42C7-B34D-288B369F3F85}"/>
+              </a:ext>
+            </a:extLst>
+          </p:cNvPr>
+          <p:cNvSpPr/>
+          <p:nvPr/>
+        </p:nvSpPr>
+        <p:spPr>
+          <a:xfrm>
+            <a:off x="1691680" y="1700808"/>
+            <a:ext cx="6048672" cy="1754326"/>
+          </a:xfrm>
+          <a:prstGeom prst="rect">
+            <a:avLst/>
+          </a:prstGeom>
+        </p:spPr>
+        <p:txBody>
+          <a:bodyPr wrap="square">
+            <a:spAutoFit/>
+          </a:bodyPr>
+          <a:lstStyle/>
+          <a:p>
+            <a:pPr algn="ctr"/>
+            <a:r>
+              <a:rPr lang="en-US" sz="5400" b="1" dirty="0"/>
+              <a:t>3.3 Vector Autoregressive</a:t>
+            </a:r>
+          </a:p>
+        </p:txBody>
+      </p:sp>
     </p:spTree>
     <p:extLst>
       <p:ext uri="{BB962C8B-B14F-4D97-AF65-F5344CB8AC3E}">
-        <p14:creationId xmlns:p14="http://schemas.microsoft.com/office/powerpoint/2010/main" val="1342754219"/>
+        <p14:creationId xmlns:p14="http://schemas.microsoft.com/office/powerpoint/2010/main" val="3488868036"/>
       </p:ext>
     </p:extLst>
   </p:cSld>
@@ -9356,7 +9450,7 @@
           <p:cNvPr id="3" name="Slide Number Placeholder 2">
             <a:extLst>
               <a:ext uri="{FF2B5EF4-FFF2-40B4-BE49-F238E27FC236}">
-                <a16:creationId xmlns:a16="http://schemas.microsoft.com/office/drawing/2014/main" id="{2B44B88F-1949-474D-9137-37EF16B1E238}"/>
+                <a16:creationId xmlns:a16="http://schemas.microsoft.com/office/drawing/2014/main" id="{76A1ED20-1A42-4DBE-B7EC-B0AC7401329D}"/>
               </a:ext>
             </a:extLst>
           </p:cNvPr>
@@ -9382,10 +9476,10 @@
       </p:sp>
       <p:sp>
         <p:nvSpPr>
-          <p:cNvPr id="4" name="TextBox 3">
-            <a:extLst>
-              <a:ext uri="{FF2B5EF4-FFF2-40B4-BE49-F238E27FC236}">
-                <a16:creationId xmlns:a16="http://schemas.microsoft.com/office/drawing/2014/main" id="{EA00CD26-63D8-4330-ABA7-EE3EC4975424}"/>
+          <p:cNvPr id="5" name="TextBox 4">
+            <a:extLst>
+              <a:ext uri="{FF2B5EF4-FFF2-40B4-BE49-F238E27FC236}">
+                <a16:creationId xmlns:a16="http://schemas.microsoft.com/office/drawing/2014/main" id="{01F13722-E61F-42C6-B430-392054ACDA3E}"/>
               </a:ext>
             </a:extLst>
           </p:cNvPr>
@@ -9394,8 +9488,8 @@
         </p:nvSpPr>
         <p:spPr>
           <a:xfrm>
-            <a:off x="215516" y="350500"/>
-            <a:ext cx="8712968" cy="6370975"/>
+            <a:off x="323528" y="756691"/>
+            <a:ext cx="7776864" cy="1200329"/>
           </a:xfrm>
           <a:prstGeom prst="rect">
             <a:avLst/>
@@ -9409,66 +9503,121 @@
           <a:lstStyle/>
           <a:p>
             <a:r>
-              <a:rPr lang="en-US" sz="2400" dirty="0"/>
-              <a:t>We've analyzed price houses in United States by state. We've create two types of analysis: static and dynamic.</a:t>
-            </a:r>
-          </a:p>
-          <a:p>
-            <a:endParaRPr lang="en-US" sz="2400" dirty="0"/>
-          </a:p>
-          <a:p>
-            <a:pPr marL="342900" indent="-342900">
-              <a:buFont typeface="Wingdings" panose="05000000000000000000" pitchFamily="2" charset="2"/>
-              <a:buChar char="ü"/>
-            </a:pPr>
-            <a:r>
-              <a:rPr lang="en-US" sz="2400" dirty="0"/>
-              <a:t>For the cross-sectional statistical analysis I've created average prices for each state by number of bedrooms and type of houses. Later, I've analyzed the gross profits (</a:t>
-            </a:r>
-            <a:r>
-              <a:rPr lang="en-US" sz="2400" dirty="0" err="1"/>
-              <a:t>anual</a:t>
-            </a:r>
-            <a:r>
-              <a:rPr lang="en-US" sz="2400" dirty="0"/>
-              <a:t> rent/house prices). The best combination for investment will  be in Illinois for one or two bedrooms, Kansas for one or two bedrooms and Arizona for one bedroom.</a:t>
-            </a:r>
-          </a:p>
-          <a:p>
-            <a:endParaRPr lang="en-US" sz="2400" dirty="0"/>
-          </a:p>
-          <a:p>
-            <a:pPr marL="342900" indent="-342900">
-              <a:buFont typeface="Wingdings" panose="05000000000000000000" pitchFamily="2" charset="2"/>
-              <a:buChar char="ü"/>
-            </a:pPr>
-            <a:r>
-              <a:rPr lang="en-US" sz="2400" dirty="0"/>
-              <a:t>For time series analysis, I've analyzed each combination State-Number of bedrooms as a stock. I've generated the monthly return of each stock, and I've selected the top ten stocks-returns. Then I've applied optimization methods (maximizing the return) to choose the best investment. Under this methodology, the best investment is in 2 </a:t>
-            </a:r>
-            <a:r>
-              <a:rPr lang="en-US" sz="2400" dirty="0" err="1"/>
-              <a:t>bedroom_Nevada</a:t>
-            </a:r>
-            <a:r>
-              <a:rPr lang="en-US" sz="2400" dirty="0"/>
-              <a:t> and 3 </a:t>
-            </a:r>
-            <a:r>
-              <a:rPr lang="en-US" sz="2400" dirty="0" err="1"/>
-              <a:t>bedroom_District</a:t>
-            </a:r>
-            <a:r>
-              <a:rPr lang="en-US" sz="2400" dirty="0"/>
-              <a:t> of Columbia.</a:t>
-            </a:r>
+              <a:rPr lang="en-US" dirty="0"/>
+              <a:t>In order to improve the analysis, </a:t>
+            </a:r>
+            <a:r>
+              <a:rPr lang="en-US" dirty="0" err="1"/>
+              <a:t>I’e</a:t>
+            </a:r>
+            <a:r>
+              <a:rPr lang="en-US" dirty="0"/>
+              <a:t> used external datasets (beyond Zillow). I’ve chosen </a:t>
+            </a:r>
+            <a:r>
+              <a:rPr lang="en-US" dirty="0" err="1"/>
+              <a:t>Quartely</a:t>
+            </a:r>
+            <a:r>
+              <a:rPr lang="en-US" dirty="0"/>
+              <a:t> Gross Domestic Product (</a:t>
+            </a:r>
+            <a:r>
+              <a:rPr lang="en-US" dirty="0">
+                <a:hlinkClick r:id="rId2"/>
+              </a:rPr>
+              <a:t>https://www.bea.gov/data/gdp/gross-domestic-product</a:t>
+            </a:r>
+            <a:r>
+              <a:rPr lang="en-US" dirty="0"/>
+              <a:t>) The idea is to analyze the relation through time of assets and GDP </a:t>
+            </a:r>
+            <a:endParaRPr lang="en-US" b="1" dirty="0"/>
+          </a:p>
+        </p:txBody>
+      </p:sp>
+      <p:pic>
+        <p:nvPicPr>
+          <p:cNvPr id="7" name="Picture 6">
+            <a:extLst>
+              <a:ext uri="{FF2B5EF4-FFF2-40B4-BE49-F238E27FC236}">
+                <a16:creationId xmlns:a16="http://schemas.microsoft.com/office/drawing/2014/main" id="{2F1B70F9-02F6-4756-AC62-F6135B1232A3}"/>
+              </a:ext>
+            </a:extLst>
+          </p:cNvPr>
+          <p:cNvPicPr>
+            <a:picLocks noChangeAspect="1"/>
+          </p:cNvPicPr>
+          <p:nvPr/>
+        </p:nvPicPr>
+        <p:blipFill>
+          <a:blip r:embed="rId3"/>
+          <a:stretch>
+            <a:fillRect/>
+          </a:stretch>
+        </p:blipFill>
+        <p:spPr>
+          <a:xfrm>
+            <a:off x="551793" y="1957020"/>
+            <a:ext cx="7776864" cy="4702261"/>
+          </a:xfrm>
+          <a:prstGeom prst="rect">
+            <a:avLst/>
+          </a:prstGeom>
+        </p:spPr>
+      </p:pic>
+      <p:sp>
+        <p:nvSpPr>
+          <p:cNvPr id="8" name="TextBox 7">
+            <a:extLst>
+              <a:ext uri="{FF2B5EF4-FFF2-40B4-BE49-F238E27FC236}">
+                <a16:creationId xmlns:a16="http://schemas.microsoft.com/office/drawing/2014/main" id="{5FD66970-3D0C-4CA0-9F02-754AEA2A9327}"/>
+              </a:ext>
+            </a:extLst>
+          </p:cNvPr>
+          <p:cNvSpPr txBox="1"/>
+          <p:nvPr/>
+        </p:nvSpPr>
+        <p:spPr>
+          <a:xfrm>
+            <a:off x="755576" y="188640"/>
+            <a:ext cx="6840760" cy="369332"/>
+          </a:xfrm>
+          <a:prstGeom prst="rect">
+            <a:avLst/>
+          </a:prstGeom>
+          <a:noFill/>
+        </p:spPr>
+        <p:txBody>
+          <a:bodyPr wrap="square" rtlCol="0">
+            <a:spAutoFit/>
+          </a:bodyPr>
+          <a:lstStyle/>
+          <a:p>
+            <a:r>
+              <a:rPr lang="en-US" dirty="0"/>
+              <a:t>VAR: </a:t>
+            </a:r>
+            <a:r>
+              <a:rPr lang="en-US" b="1" dirty="0"/>
+              <a:t>ZHVI_3bedroom_DistrictColumbia,  </a:t>
+            </a:r>
+            <a:r>
+              <a:rPr lang="en-US" b="1" dirty="0" err="1"/>
+              <a:t>gdp_District</a:t>
+            </a:r>
+            <a:r>
+              <a:rPr lang="en-US" b="1" dirty="0"/>
+              <a:t> of Columbia</a:t>
+            </a:r>
+            <a:endParaRPr lang="en-US" dirty="0"/>
           </a:p>
         </p:txBody>
       </p:sp>
     </p:spTree>
     <p:extLst>
       <p:ext uri="{BB962C8B-B14F-4D97-AF65-F5344CB8AC3E}">
-        <p14:creationId xmlns:p14="http://schemas.microsoft.com/office/powerpoint/2010/main" val="2007745978"/>
+        <p14:creationId xmlns:p14="http://schemas.microsoft.com/office/powerpoint/2010/main" val="3452379820"/>
       </p:ext>
     </p:extLst>
   </p:cSld>
@@ -9500,7 +9649,7 @@
           <p:cNvPr id="3" name="Slide Number Placeholder 2">
             <a:extLst>
               <a:ext uri="{FF2B5EF4-FFF2-40B4-BE49-F238E27FC236}">
-                <a16:creationId xmlns:a16="http://schemas.microsoft.com/office/drawing/2014/main" id="{8FC5AEFC-5573-45ED-97C7-F582A2FA7D63}"/>
+                <a16:creationId xmlns:a16="http://schemas.microsoft.com/office/drawing/2014/main" id="{7931865C-DCB6-48AC-96C7-2962268E4530}"/>
               </a:ext>
             </a:extLst>
           </p:cNvPr>
@@ -9524,63 +9673,124 @@
           </a:p>
         </p:txBody>
       </p:sp>
-      <p:sp>
-        <p:nvSpPr>
-          <p:cNvPr id="4" name="Rectangle 3">
-            <a:extLst>
-              <a:ext uri="{FF2B5EF4-FFF2-40B4-BE49-F238E27FC236}">
-                <a16:creationId xmlns:a16="http://schemas.microsoft.com/office/drawing/2014/main" id="{D7FA441D-B86C-4045-894F-131F806AA693}"/>
-              </a:ext>
-            </a:extLst>
-          </p:cNvPr>
-          <p:cNvSpPr/>
+      <p:pic>
+        <p:nvPicPr>
+          <p:cNvPr id="4" name="Picture 3">
+            <a:extLst>
+              <a:ext uri="{FF2B5EF4-FFF2-40B4-BE49-F238E27FC236}">
+                <a16:creationId xmlns:a16="http://schemas.microsoft.com/office/drawing/2014/main" id="{FE0EA27B-E253-4510-89DE-61CC4AD53D8A}"/>
+              </a:ext>
+            </a:extLst>
+          </p:cNvPr>
+          <p:cNvPicPr/>
           <p:nvPr/>
-        </p:nvSpPr>
-        <p:spPr>
-          <a:xfrm>
-            <a:off x="395536" y="620688"/>
-            <a:ext cx="8064896" cy="5262979"/>
+        </p:nvPicPr>
+        <p:blipFill>
+          <a:blip r:embed="rId2">
+            <a:extLst>
+              <a:ext uri="{28A0092B-C50C-407E-A947-70E740481C1C}">
+                <a14:useLocalDpi xmlns:a14="http://schemas.microsoft.com/office/drawing/2010/main" val="0"/>
+              </a:ext>
+            </a:extLst>
+          </a:blip>
+          <a:srcRect/>
+          <a:stretch>
+            <a:fillRect/>
+          </a:stretch>
+        </p:blipFill>
+        <p:spPr bwMode="auto">
+          <a:xfrm>
+            <a:off x="581322" y="502667"/>
+            <a:ext cx="7951118" cy="4870549"/>
           </a:xfrm>
           <a:prstGeom prst="rect">
             <a:avLst/>
           </a:prstGeom>
-        </p:spPr>
-        <p:txBody>
-          <a:bodyPr wrap="square">
+          <a:noFill/>
+          <a:ln>
+            <a:noFill/>
+          </a:ln>
+        </p:spPr>
+      </p:pic>
+      <p:sp>
+        <p:nvSpPr>
+          <p:cNvPr id="5" name="TextBox 4">
+            <a:extLst>
+              <a:ext uri="{FF2B5EF4-FFF2-40B4-BE49-F238E27FC236}">
+                <a16:creationId xmlns:a16="http://schemas.microsoft.com/office/drawing/2014/main" id="{E6D10D4C-1671-4D83-9C07-FA0E7C53CBA4}"/>
+              </a:ext>
+            </a:extLst>
+          </p:cNvPr>
+          <p:cNvSpPr txBox="1"/>
+          <p:nvPr/>
+        </p:nvSpPr>
+        <p:spPr>
+          <a:xfrm>
+            <a:off x="755576" y="136525"/>
+            <a:ext cx="8223448" cy="738664"/>
+          </a:xfrm>
+          <a:prstGeom prst="rect">
+            <a:avLst/>
+          </a:prstGeom>
+          <a:noFill/>
+        </p:spPr>
+        <p:txBody>
+          <a:bodyPr wrap="square" rtlCol="0">
             <a:spAutoFit/>
           </a:bodyPr>
           <a:lstStyle/>
           <a:p>
-            <a:r>
-              <a:rPr lang="en-US" sz="2800" b="1" dirty="0"/>
-              <a:t>Further considerations:</a:t>
-            </a:r>
-          </a:p>
-          <a:p>
-            <a:pPr marL="457200" indent="-457200" algn="just">
-              <a:buFont typeface="Wingdings" panose="05000000000000000000" pitchFamily="2" charset="2"/>
-              <a:buChar char="ü"/>
-            </a:pPr>
-            <a:r>
-              <a:rPr lang="en-US" sz="2800" dirty="0"/>
-              <a:t>Depending our objectives and the methodology of analysis,  we have different investment options. For example, we can create another optimization portfolio maximizing return and minimizing variation of house prices.</a:t>
-            </a:r>
-          </a:p>
-          <a:p>
-            <a:pPr marL="457200" indent="-457200" algn="just">
-              <a:buFont typeface="Wingdings" panose="05000000000000000000" pitchFamily="2" charset="2"/>
-              <a:buChar char="ü"/>
-            </a:pPr>
-            <a:endParaRPr lang="en-US" sz="2800" dirty="0"/>
-          </a:p>
-          <a:p>
-            <a:pPr marL="457200" indent="-457200" algn="just">
-              <a:buFont typeface="Wingdings" panose="05000000000000000000" pitchFamily="2" charset="2"/>
-              <a:buChar char="ü"/>
-            </a:pPr>
-            <a:r>
-              <a:rPr lang="en-US" sz="2800" dirty="0"/>
-              <a:t>The analysis can be improved with more robust methodologies such as Vector Autoregressive to measure the behavior of prices comparing other variables such as economic growth (gross domestic product) or other macroeconomic variables.</a:t>
+            <a:pPr algn="ctr"/>
+            <a:r>
+              <a:rPr lang="en-US" sz="2400" b="1" dirty="0"/>
+              <a:t>Impulse Response Function</a:t>
+            </a:r>
+          </a:p>
+          <a:p>
+            <a:pPr algn="ctr"/>
+            <a:endParaRPr lang="en-US" dirty="0"/>
+          </a:p>
+        </p:txBody>
+      </p:sp>
+      <p:sp>
+        <p:nvSpPr>
+          <p:cNvPr id="6" name="TextBox 5">
+            <a:extLst>
+              <a:ext uri="{FF2B5EF4-FFF2-40B4-BE49-F238E27FC236}">
+                <a16:creationId xmlns:a16="http://schemas.microsoft.com/office/drawing/2014/main" id="{9C26A941-B369-40E5-B5D7-96AA470D1E9E}"/>
+              </a:ext>
+            </a:extLst>
+          </p:cNvPr>
+          <p:cNvSpPr txBox="1"/>
+          <p:nvPr/>
+        </p:nvSpPr>
+        <p:spPr>
+          <a:xfrm>
+            <a:off x="581322" y="5432990"/>
+            <a:ext cx="7776864" cy="923330"/>
+          </a:xfrm>
+          <a:prstGeom prst="rect">
+            <a:avLst/>
+          </a:prstGeom>
+          <a:noFill/>
+        </p:spPr>
+        <p:txBody>
+          <a:bodyPr wrap="square" rtlCol="0">
+            <a:spAutoFit/>
+          </a:bodyPr>
+          <a:lstStyle/>
+          <a:p>
+            <a:r>
+              <a:rPr lang="en-US" dirty="0"/>
+              <a:t>We can see there is a positive reaction of GDP with variation of prices of the asset and, it converges at the second period. The same logic </a:t>
+            </a:r>
+            <a:r>
+              <a:rPr lang="en-US" dirty="0" err="1"/>
+              <a:t>applyes</a:t>
+            </a:r>
+            <a:r>
+              <a:rPr lang="en-US" dirty="0"/>
+              <a:t> with asset price reaction with a variation of GDP.</a:t>
             </a:r>
           </a:p>
         </p:txBody>
@@ -9588,7 +9798,7 @@
     </p:spTree>
     <p:extLst>
       <p:ext uri="{BB962C8B-B14F-4D97-AF65-F5344CB8AC3E}">
-        <p14:creationId xmlns:p14="http://schemas.microsoft.com/office/powerpoint/2010/main" val="1530470240"/>
+        <p14:creationId xmlns:p14="http://schemas.microsoft.com/office/powerpoint/2010/main" val="1918347965"/>
       </p:ext>
     </p:extLst>
   </p:cSld>
@@ -9654,26 +9864,13 @@
             </a:pPr>
             <a:r>
               <a:rPr lang="es-BO" sz="7200" b="1" dirty="0"/>
-              <a:t>ANNEX 1</a:t>
-            </a:r>
-          </a:p>
-          <a:p>
-            <a:pPr marL="0" indent="0" algn="ctr">
-              <a:buNone/>
-            </a:pPr>
-            <a:r>
-              <a:rPr lang="es-BO" b="1" dirty="0" err="1"/>
-              <a:t>Programming</a:t>
-            </a:r>
-            <a:r>
-              <a:rPr lang="es-BO" b="1" dirty="0"/>
-              <a:t> </a:t>
-            </a:r>
-            <a:r>
-              <a:rPr lang="es-BO" b="1" dirty="0" err="1"/>
-              <a:t>details</a:t>
-            </a:r>
-            <a:endParaRPr lang="es-BO" b="1" dirty="0"/>
+              <a:t>3. </a:t>
+            </a:r>
+            <a:r>
+              <a:rPr lang="es-BO" sz="7200" b="1" dirty="0" err="1"/>
+              <a:t>Conclusions</a:t>
+            </a:r>
+            <a:endParaRPr lang="es-BO" sz="7200" b="1" dirty="0"/>
           </a:p>
         </p:txBody>
       </p:sp>
@@ -9703,7 +9900,7 @@
     </p:spTree>
     <p:extLst>
       <p:ext uri="{BB962C8B-B14F-4D97-AF65-F5344CB8AC3E}">
-        <p14:creationId xmlns:p14="http://schemas.microsoft.com/office/powerpoint/2010/main" val="3347902607"/>
+        <p14:creationId xmlns:p14="http://schemas.microsoft.com/office/powerpoint/2010/main" val="1342754219"/>
       </p:ext>
     </p:extLst>
   </p:cSld>
@@ -9735,7 +9932,7 @@
           <p:cNvPr id="3" name="Slide Number Placeholder 2">
             <a:extLst>
               <a:ext uri="{FF2B5EF4-FFF2-40B4-BE49-F238E27FC236}">
-                <a16:creationId xmlns:a16="http://schemas.microsoft.com/office/drawing/2014/main" id="{1039C37D-93E7-4F63-ABFD-EDE4CFC6D04F}"/>
+                <a16:creationId xmlns:a16="http://schemas.microsoft.com/office/drawing/2014/main" id="{2B44B88F-1949-474D-9137-37EF16B1E238}"/>
               </a:ext>
             </a:extLst>
           </p:cNvPr>
@@ -9761,10 +9958,10 @@
       </p:sp>
       <p:sp>
         <p:nvSpPr>
-          <p:cNvPr id="5" name="TextBox 4">
-            <a:extLst>
-              <a:ext uri="{FF2B5EF4-FFF2-40B4-BE49-F238E27FC236}">
-                <a16:creationId xmlns:a16="http://schemas.microsoft.com/office/drawing/2014/main" id="{8D1B5E9E-4F8A-4164-B002-06AA608EDFF8}"/>
+          <p:cNvPr id="4" name="TextBox 3">
+            <a:extLst>
+              <a:ext uri="{FF2B5EF4-FFF2-40B4-BE49-F238E27FC236}">
+                <a16:creationId xmlns:a16="http://schemas.microsoft.com/office/drawing/2014/main" id="{EA00CD26-63D8-4330-ABA7-EE3EC4975424}"/>
               </a:ext>
             </a:extLst>
           </p:cNvPr>
@@ -9773,8 +9970,8 @@
         </p:nvSpPr>
         <p:spPr>
           <a:xfrm>
-            <a:off x="467544" y="965041"/>
-            <a:ext cx="7488832" cy="6001643"/>
+            <a:off x="215516" y="350500"/>
+            <a:ext cx="8712968" cy="6370975"/>
           </a:xfrm>
           <a:prstGeom prst="rect">
             <a:avLst/>
@@ -9789,17 +9986,11 @@
           <a:p>
             <a:r>
               <a:rPr lang="en-US" sz="2400" dirty="0"/>
-              <a:t>The following are the main script or programming activities:</a:t>
+              <a:t>We've analyzed price houses in United States by state. We've create two types of analysis: static and dynamic.</a:t>
             </a:r>
           </a:p>
           <a:p>
             <a:endParaRPr lang="en-US" sz="2400" dirty="0"/>
-          </a:p>
-          <a:p>
-            <a:r>
-              <a:rPr lang="en-US" sz="2400" b="1" dirty="0"/>
-              <a:t>Notebook Presentation</a:t>
-            </a:r>
           </a:p>
           <a:p>
             <a:pPr marL="342900" indent="-342900">
@@ -9808,16 +9999,19 @@
             </a:pPr>
             <a:r>
               <a:rPr lang="en-US" sz="2400" dirty="0"/>
-              <a:t>Created an </a:t>
+              <a:t>For the cross-sectional statistical analysis I've created average prices for each state by number of bedrooms and type of houses. Later, I've analyzed the gross profits (</a:t>
             </a:r>
             <a:r>
               <a:rPr lang="en-US" sz="2400" dirty="0" err="1"/>
-              <a:t>iPython</a:t>
+              <a:t>anual</a:t>
             </a:r>
             <a:r>
               <a:rPr lang="en-US" sz="2400" dirty="0"/>
-              <a:t> navigator to check different sections of the project.</a:t>
-            </a:r>
+              <a:t> rent/house prices). The best combination for investment will  be in Illinois for one or two bedrooms, Kansas for one or two bedrooms and Arizona for one bedroom.</a:t>
+            </a:r>
+          </a:p>
+          <a:p>
+            <a:endParaRPr lang="en-US" sz="2400" dirty="0"/>
           </a:p>
           <a:p>
             <a:pPr marL="342900" indent="-342900">
@@ -9826,171 +10020,23 @@
             </a:pPr>
             <a:r>
               <a:rPr lang="en-US" sz="2400" dirty="0"/>
-              <a:t>Introduced graphics to main sections</a:t>
-            </a:r>
-          </a:p>
-          <a:p>
-            <a:endParaRPr lang="en-US" sz="2400" dirty="0"/>
-          </a:p>
-          <a:p>
-            <a:r>
-              <a:rPr lang="en-US" sz="2400" b="1" dirty="0" err="1"/>
-              <a:t>Dataframes</a:t>
-            </a:r>
-            <a:r>
-              <a:rPr lang="en-US" sz="2400" b="1" dirty="0"/>
-              <a:t> Manipulation:</a:t>
-            </a:r>
-          </a:p>
-          <a:p>
-            <a:pPr marL="342900" indent="-342900">
-              <a:buFont typeface="Wingdings" panose="05000000000000000000" pitchFamily="2" charset="2"/>
-              <a:buChar char="ü"/>
-            </a:pPr>
+              <a:t>For time series analysis, I've analyzed each combination State-Number of bedrooms as a stock. I've generated the monthly return of each stock, and I've selected the top ten stocks-returns. Then I've applied optimization methods (maximizing the return) to choose the best investment. Under this methodology, the best investment is in 2 </a:t>
+            </a:r>
+            <a:r>
+              <a:rPr lang="en-US" sz="2400" dirty="0" err="1"/>
+              <a:t>bedroom_Nevada</a:t>
+            </a:r>
             <a:r>
               <a:rPr lang="en-US" sz="2400" dirty="0"/>
-              <a:t>Transforming datatypes (Ex: objects to datetime)</a:t>
-            </a:r>
-          </a:p>
-          <a:p>
-            <a:pPr marL="342900" indent="-342900">
-              <a:buFont typeface="Wingdings" panose="05000000000000000000" pitchFamily="2" charset="2"/>
-              <a:buChar char="ü"/>
-            </a:pPr>
+              <a:t> and 3 </a:t>
+            </a:r>
+            <a:r>
+              <a:rPr lang="en-US" sz="2400" dirty="0" err="1"/>
+              <a:t>bedroom_District</a:t>
+            </a:r>
             <a:r>
               <a:rPr lang="en-US" sz="2400" dirty="0"/>
-              <a:t>Exploring </a:t>
-            </a:r>
-            <a:r>
-              <a:rPr lang="en-US" sz="2400" dirty="0" err="1"/>
-              <a:t>missings</a:t>
-            </a:r>
-            <a:r>
-              <a:rPr lang="en-US" sz="2400" dirty="0"/>
-              <a:t> through </a:t>
-            </a:r>
-            <a:r>
-              <a:rPr lang="en-US" sz="2400" dirty="0" err="1"/>
-              <a:t>missmaps</a:t>
-            </a:r>
-            <a:r>
-              <a:rPr lang="en-US" sz="2400" dirty="0"/>
-              <a:t>.</a:t>
-            </a:r>
-          </a:p>
-          <a:p>
-            <a:pPr marL="342900" indent="-342900">
-              <a:buFont typeface="Wingdings" panose="05000000000000000000" pitchFamily="2" charset="2"/>
-              <a:buChar char="ü"/>
-            </a:pPr>
-            <a:r>
-              <a:rPr lang="en-US" sz="2400" dirty="0" err="1"/>
-              <a:t>Subsetting</a:t>
-            </a:r>
-            <a:r>
-              <a:rPr lang="en-US" sz="2400" dirty="0"/>
-              <a:t> </a:t>
-            </a:r>
-            <a:r>
-              <a:rPr lang="en-US" sz="2400" dirty="0" err="1"/>
-              <a:t>dataframes</a:t>
-            </a:r>
-            <a:r>
-              <a:rPr lang="en-US" sz="2400" dirty="0"/>
-              <a:t> with loc, </a:t>
-            </a:r>
-            <a:r>
-              <a:rPr lang="en-US" sz="2400" dirty="0" err="1"/>
-              <a:t>iloc</a:t>
-            </a:r>
-            <a:r>
-              <a:rPr lang="en-US" sz="2400" dirty="0"/>
-              <a:t> functions.</a:t>
-            </a:r>
-          </a:p>
-          <a:p>
-            <a:pPr marL="342900" indent="-342900">
-              <a:buFont typeface="Wingdings" panose="05000000000000000000" pitchFamily="2" charset="2"/>
-              <a:buChar char="ü"/>
-            </a:pPr>
-            <a:r>
-              <a:rPr lang="en-US" sz="2400" dirty="0"/>
-              <a:t>Worked </a:t>
-            </a:r>
-            <a:r>
-              <a:rPr lang="en-US" sz="2400" dirty="0" err="1"/>
-              <a:t>dataframes</a:t>
-            </a:r>
-            <a:r>
-              <a:rPr lang="en-US" sz="2400" dirty="0"/>
-              <a:t> with one and two level indexes.</a:t>
-            </a:r>
-          </a:p>
-          <a:p>
-            <a:pPr marL="342900" indent="-342900">
-              <a:buFont typeface="Wingdings" panose="05000000000000000000" pitchFamily="2" charset="2"/>
-              <a:buChar char="ü"/>
-            </a:pPr>
-            <a:r>
-              <a:rPr lang="en-US" sz="2400" dirty="0"/>
-              <a:t>Created special tables with </a:t>
-            </a:r>
-            <a:r>
-              <a:rPr lang="en-US" sz="2400" dirty="0" err="1"/>
-              <a:t>groupby</a:t>
-            </a:r>
-            <a:r>
-              <a:rPr lang="en-US" sz="2400" dirty="0"/>
-              <a:t> and pivot tables.</a:t>
-            </a:r>
-          </a:p>
-          <a:p>
-            <a:pPr marL="342900" indent="-342900">
-              <a:buFont typeface="Wingdings" panose="05000000000000000000" pitchFamily="2" charset="2"/>
-              <a:buChar char="ü"/>
-            </a:pPr>
-            <a:r>
-              <a:rPr lang="en-US" sz="2400" dirty="0"/>
-              <a:t>Created new variables using lambda functions.</a:t>
-            </a:r>
-          </a:p>
-          <a:p>
-            <a:endParaRPr lang="en-US" sz="2400" dirty="0"/>
-          </a:p>
-        </p:txBody>
-      </p:sp>
-      <p:sp>
-        <p:nvSpPr>
-          <p:cNvPr id="6" name="TextBox 5">
-            <a:extLst>
-              <a:ext uri="{FF2B5EF4-FFF2-40B4-BE49-F238E27FC236}">
-                <a16:creationId xmlns:a16="http://schemas.microsoft.com/office/drawing/2014/main" id="{97BC53FD-83AB-4394-9878-9FF8157003E0}"/>
-              </a:ext>
-            </a:extLst>
-          </p:cNvPr>
-          <p:cNvSpPr txBox="1"/>
-          <p:nvPr/>
-        </p:nvSpPr>
-        <p:spPr>
-          <a:xfrm>
-            <a:off x="1259632" y="260648"/>
-            <a:ext cx="6120680" cy="584775"/>
-          </a:xfrm>
-          <a:prstGeom prst="rect">
-            <a:avLst/>
-          </a:prstGeom>
-          <a:noFill/>
-        </p:spPr>
-        <p:txBody>
-          <a:bodyPr wrap="square" rtlCol="0">
-            <a:spAutoFit/>
-          </a:bodyPr>
-          <a:lstStyle/>
-          <a:p>
-            <a:pPr algn="ctr"/>
-            <a:r>
-              <a:rPr lang="en-US" sz="3200" b="1" dirty="0"/>
-              <a:t>Script or programming activities</a:t>
+              <a:t> of Columbia.</a:t>
             </a:r>
           </a:p>
         </p:txBody>
@@ -9998,7 +10044,7 @@
     </p:spTree>
     <p:extLst>
       <p:ext uri="{BB962C8B-B14F-4D97-AF65-F5344CB8AC3E}">
-        <p14:creationId xmlns:p14="http://schemas.microsoft.com/office/powerpoint/2010/main" val="2388560331"/>
+        <p14:creationId xmlns:p14="http://schemas.microsoft.com/office/powerpoint/2010/main" val="2007745978"/>
       </p:ext>
     </p:extLst>
   </p:cSld>
@@ -10030,7 +10076,7 @@
           <p:cNvPr id="3" name="Slide Number Placeholder 2">
             <a:extLst>
               <a:ext uri="{FF2B5EF4-FFF2-40B4-BE49-F238E27FC236}">
-                <a16:creationId xmlns:a16="http://schemas.microsoft.com/office/drawing/2014/main" id="{D9DD24AD-186A-4C42-AEA1-36E1981CF1D9}"/>
+                <a16:creationId xmlns:a16="http://schemas.microsoft.com/office/drawing/2014/main" id="{8FC5AEFC-5573-45ED-97C7-F582A2FA7D63}"/>
               </a:ext>
             </a:extLst>
           </p:cNvPr>
@@ -10056,10 +10102,245 @@
       </p:sp>
       <p:sp>
         <p:nvSpPr>
-          <p:cNvPr id="4" name="TextBox 3">
-            <a:extLst>
-              <a:ext uri="{FF2B5EF4-FFF2-40B4-BE49-F238E27FC236}">
-                <a16:creationId xmlns:a16="http://schemas.microsoft.com/office/drawing/2014/main" id="{1396A194-AF61-47DA-AAB2-F6CC525C11FC}"/>
+          <p:cNvPr id="4" name="Rectangle 3">
+            <a:extLst>
+              <a:ext uri="{FF2B5EF4-FFF2-40B4-BE49-F238E27FC236}">
+                <a16:creationId xmlns:a16="http://schemas.microsoft.com/office/drawing/2014/main" id="{D7FA441D-B86C-4045-894F-131F806AA693}"/>
+              </a:ext>
+            </a:extLst>
+          </p:cNvPr>
+          <p:cNvSpPr/>
+          <p:nvPr/>
+        </p:nvSpPr>
+        <p:spPr>
+          <a:xfrm>
+            <a:off x="395536" y="620688"/>
+            <a:ext cx="8064896" cy="4401205"/>
+          </a:xfrm>
+          <a:prstGeom prst="rect">
+            <a:avLst/>
+          </a:prstGeom>
+        </p:spPr>
+        <p:txBody>
+          <a:bodyPr wrap="square">
+            <a:spAutoFit/>
+          </a:bodyPr>
+          <a:lstStyle/>
+          <a:p>
+            <a:r>
+              <a:rPr lang="en-US" sz="2800" b="1" dirty="0"/>
+              <a:t>Further considerations:</a:t>
+            </a:r>
+          </a:p>
+          <a:p>
+            <a:pPr marL="457200" indent="-457200" algn="just">
+              <a:buFont typeface="Wingdings" panose="05000000000000000000" pitchFamily="2" charset="2"/>
+              <a:buChar char="ü"/>
+            </a:pPr>
+            <a:r>
+              <a:rPr lang="en-US" sz="2800" dirty="0"/>
+              <a:t>Depending our objectives and the methodology of analysis,  we have different investment options. For example, we can create another optimization portfolio maximizing return and minimizing variation of house prices.</a:t>
+            </a:r>
+          </a:p>
+          <a:p>
+            <a:pPr marL="457200" indent="-457200" algn="just">
+              <a:buFont typeface="Wingdings" panose="05000000000000000000" pitchFamily="2" charset="2"/>
+              <a:buChar char="ü"/>
+            </a:pPr>
+            <a:endParaRPr lang="en-US" sz="2800" dirty="0"/>
+          </a:p>
+          <a:p>
+            <a:pPr marL="457200" indent="-457200" algn="just">
+              <a:buFont typeface="Wingdings" panose="05000000000000000000" pitchFamily="2" charset="2"/>
+              <a:buChar char="ü"/>
+            </a:pPr>
+            <a:r>
+              <a:rPr lang="en-US" sz="2800" dirty="0"/>
+              <a:t>The analysis can be improved with more robust methodologies such as multiple variables in Vector Autoregressive.</a:t>
+            </a:r>
+          </a:p>
+        </p:txBody>
+      </p:sp>
+    </p:spTree>
+    <p:extLst>
+      <p:ext uri="{BB962C8B-B14F-4D97-AF65-F5344CB8AC3E}">
+        <p14:creationId xmlns:p14="http://schemas.microsoft.com/office/powerpoint/2010/main" val="1530470240"/>
+      </p:ext>
+    </p:extLst>
+  </p:cSld>
+  <p:clrMapOvr>
+    <a:masterClrMapping/>
+  </p:clrMapOvr>
+</p:sld>
+</file>
+
+<file path=ppt/slides/slide45.xml><?xml version="1.0" encoding="utf-8"?>
+<p:sld xmlns:a="http://schemas.openxmlformats.org/drawingml/2006/main" xmlns:r="http://schemas.openxmlformats.org/officeDocument/2006/relationships" xmlns:p="http://schemas.openxmlformats.org/presentationml/2006/main">
+  <p:cSld>
+    <p:spTree>
+      <p:nvGrpSpPr>
+        <p:cNvPr id="1" name=""/>
+        <p:cNvGrpSpPr/>
+        <p:nvPr/>
+      </p:nvGrpSpPr>
+      <p:grpSpPr>
+        <a:xfrm>
+          <a:off x="0" y="0"/>
+          <a:ext cx="0" cy="0"/>
+          <a:chOff x="0" y="0"/>
+          <a:chExt cx="0" cy="0"/>
+        </a:xfrm>
+      </p:grpSpPr>
+      <p:sp>
+        <p:nvSpPr>
+          <p:cNvPr id="3" name="2 Marcador de contenido"/>
+          <p:cNvSpPr>
+            <a:spLocks noGrp="1"/>
+          </p:cNvSpPr>
+          <p:nvPr>
+            <p:ph idx="1"/>
+          </p:nvPr>
+        </p:nvSpPr>
+        <p:spPr>
+          <a:xfrm>
+            <a:off x="395536" y="764704"/>
+            <a:ext cx="8229600" cy="5256584"/>
+          </a:xfrm>
+        </p:spPr>
+        <p:txBody>
+          <a:bodyPr>
+            <a:normAutofit/>
+          </a:bodyPr>
+          <a:lstStyle/>
+          <a:p>
+            <a:pPr marL="0" indent="0">
+              <a:buNone/>
+            </a:pPr>
+            <a:endParaRPr lang="es-BO" dirty="0"/>
+          </a:p>
+          <a:p>
+            <a:pPr marL="0" indent="0">
+              <a:buNone/>
+            </a:pPr>
+            <a:endParaRPr lang="es-BO" dirty="0"/>
+          </a:p>
+          <a:p>
+            <a:pPr marL="0" indent="0" algn="ctr">
+              <a:buNone/>
+            </a:pPr>
+            <a:r>
+              <a:rPr lang="es-BO" sz="7200" b="1" dirty="0"/>
+              <a:t>ANNEX 1</a:t>
+            </a:r>
+          </a:p>
+          <a:p>
+            <a:pPr marL="0" indent="0" algn="ctr">
+              <a:buNone/>
+            </a:pPr>
+            <a:r>
+              <a:rPr lang="es-BO" b="1" dirty="0" err="1"/>
+              <a:t>Programming</a:t>
+            </a:r>
+            <a:r>
+              <a:rPr lang="es-BO" b="1" dirty="0"/>
+              <a:t> </a:t>
+            </a:r>
+            <a:r>
+              <a:rPr lang="es-BO" b="1" dirty="0" err="1"/>
+              <a:t>details</a:t>
+            </a:r>
+            <a:endParaRPr lang="es-BO" b="1" dirty="0"/>
+          </a:p>
+        </p:txBody>
+      </p:sp>
+      <p:sp>
+        <p:nvSpPr>
+          <p:cNvPr id="5" name="4 Marcador de número de diapositiva"/>
+          <p:cNvSpPr>
+            <a:spLocks noGrp="1"/>
+          </p:cNvSpPr>
+          <p:nvPr>
+            <p:ph type="sldNum" sz="quarter" idx="12"/>
+          </p:nvPr>
+        </p:nvSpPr>
+        <p:spPr/>
+        <p:txBody>
+          <a:bodyPr/>
+          <a:lstStyle/>
+          <a:p>
+            <a:fld id="{DB0BF3D3-405C-493D-BC3F-5D81877E5B61}" type="slidenum">
+              <a:rPr lang="es-GT" smtClean="0"/>
+              <a:t>45</a:t>
+            </a:fld>
+            <a:endParaRPr lang="es-GT"/>
+          </a:p>
+        </p:txBody>
+      </p:sp>
+    </p:spTree>
+    <p:extLst>
+      <p:ext uri="{BB962C8B-B14F-4D97-AF65-F5344CB8AC3E}">
+        <p14:creationId xmlns:p14="http://schemas.microsoft.com/office/powerpoint/2010/main" val="3347902607"/>
+      </p:ext>
+    </p:extLst>
+  </p:cSld>
+  <p:clrMapOvr>
+    <a:masterClrMapping/>
+  </p:clrMapOvr>
+</p:sld>
+</file>
+
+<file path=ppt/slides/slide46.xml><?xml version="1.0" encoding="utf-8"?>
+<p:sld xmlns:a="http://schemas.openxmlformats.org/drawingml/2006/main" xmlns:r="http://schemas.openxmlformats.org/officeDocument/2006/relationships" xmlns:p="http://schemas.openxmlformats.org/presentationml/2006/main">
+  <p:cSld>
+    <p:spTree>
+      <p:nvGrpSpPr>
+        <p:cNvPr id="1" name=""/>
+        <p:cNvGrpSpPr/>
+        <p:nvPr/>
+      </p:nvGrpSpPr>
+      <p:grpSpPr>
+        <a:xfrm>
+          <a:off x="0" y="0"/>
+          <a:ext cx="0" cy="0"/>
+          <a:chOff x="0" y="0"/>
+          <a:chExt cx="0" cy="0"/>
+        </a:xfrm>
+      </p:grpSpPr>
+      <p:sp>
+        <p:nvSpPr>
+          <p:cNvPr id="3" name="Slide Number Placeholder 2">
+            <a:extLst>
+              <a:ext uri="{FF2B5EF4-FFF2-40B4-BE49-F238E27FC236}">
+                <a16:creationId xmlns:a16="http://schemas.microsoft.com/office/drawing/2014/main" id="{1039C37D-93E7-4F63-ABFD-EDE4CFC6D04F}"/>
+              </a:ext>
+            </a:extLst>
+          </p:cNvPr>
+          <p:cNvSpPr>
+            <a:spLocks noGrp="1"/>
+          </p:cNvSpPr>
+          <p:nvPr>
+            <p:ph type="sldNum" sz="quarter" idx="12"/>
+          </p:nvPr>
+        </p:nvSpPr>
+        <p:spPr/>
+        <p:txBody>
+          <a:bodyPr/>
+          <a:lstStyle/>
+          <a:p>
+            <a:fld id="{DB0BF3D3-405C-493D-BC3F-5D81877E5B61}" type="slidenum">
+              <a:rPr lang="es-GT" smtClean="0"/>
+              <a:t>46</a:t>
+            </a:fld>
+            <a:endParaRPr lang="es-GT"/>
+          </a:p>
+        </p:txBody>
+      </p:sp>
+      <p:sp>
+        <p:nvSpPr>
+          <p:cNvPr id="5" name="TextBox 4">
+            <a:extLst>
+              <a:ext uri="{FF2B5EF4-FFF2-40B4-BE49-F238E27FC236}">
+                <a16:creationId xmlns:a16="http://schemas.microsoft.com/office/drawing/2014/main" id="{8D1B5E9E-4F8A-4164-B002-06AA608EDFF8}"/>
               </a:ext>
             </a:extLst>
           </p:cNvPr>
@@ -10068,8 +10349,8 @@
         </p:nvSpPr>
         <p:spPr>
           <a:xfrm>
-            <a:off x="251520" y="974349"/>
-            <a:ext cx="8136904" cy="5909310"/>
+            <a:off x="467544" y="965041"/>
+            <a:ext cx="7488832" cy="6001643"/>
           </a:xfrm>
           <a:prstGeom prst="rect">
             <a:avLst/>
@@ -10084,7 +10365,16 @@
           <a:p>
             <a:r>
               <a:rPr lang="en-US" sz="2400" dirty="0"/>
-              <a:t>Visualization</a:t>
+              <a:t>The following are the main script or programming activities:</a:t>
+            </a:r>
+          </a:p>
+          <a:p>
+            <a:endParaRPr lang="en-US" sz="2400" dirty="0"/>
+          </a:p>
+          <a:p>
+            <a:r>
+              <a:rPr lang="en-US" sz="2400" b="1" dirty="0"/>
+              <a:t>Notebook Presentation</a:t>
             </a:r>
           </a:p>
           <a:p>
@@ -10094,7 +10384,15 @@
             </a:pPr>
             <a:r>
               <a:rPr lang="en-US" sz="2400" dirty="0"/>
-              <a:t>Created histograms and subplots with matplotlib.</a:t>
+              <a:t>Created an </a:t>
+            </a:r>
+            <a:r>
+              <a:rPr lang="en-US" sz="2400" dirty="0" err="1"/>
+              <a:t>iPython</a:t>
+            </a:r>
+            <a:r>
+              <a:rPr lang="en-US" sz="2400" dirty="0"/>
+              <a:t> navigator to check different sections of the project.</a:t>
             </a:r>
           </a:p>
           <a:p>
@@ -10104,7 +10402,20 @@
             </a:pPr>
             <a:r>
               <a:rPr lang="en-US" sz="2400" dirty="0"/>
-              <a:t>Created heat maps with seaborn.</a:t>
+              <a:t>Introduced graphics to main sections</a:t>
+            </a:r>
+          </a:p>
+          <a:p>
+            <a:endParaRPr lang="en-US" sz="2400" dirty="0"/>
+          </a:p>
+          <a:p>
+            <a:r>
+              <a:rPr lang="en-US" sz="2400" b="1" dirty="0" err="1"/>
+              <a:t>Dataframes</a:t>
+            </a:r>
+            <a:r>
+              <a:rPr lang="en-US" sz="2400" b="1" dirty="0"/>
+              <a:t> Manipulation:</a:t>
             </a:r>
           </a:p>
           <a:p>
@@ -10114,16 +10425,7 @@
             </a:pPr>
             <a:r>
               <a:rPr lang="en-US" sz="2400" dirty="0"/>
-              <a:t>Created timeseries maps indexing time (worked with list for titles).</a:t>
-            </a:r>
-          </a:p>
-          <a:p>
-            <a:endParaRPr lang="en-US" sz="2400" dirty="0"/>
-          </a:p>
-          <a:p>
-            <a:r>
-              <a:rPr lang="en-US" sz="2400" dirty="0"/>
-              <a:t>Modelling</a:t>
+              <a:t>Transforming datatypes (Ex: objects to datetime)</a:t>
             </a:r>
           </a:p>
           <a:p>
@@ -10133,6 +10435,280 @@
             </a:pPr>
             <a:r>
               <a:rPr lang="en-US" sz="2400" dirty="0"/>
+              <a:t>Exploring </a:t>
+            </a:r>
+            <a:r>
+              <a:rPr lang="en-US" sz="2400" dirty="0" err="1"/>
+              <a:t>missings</a:t>
+            </a:r>
+            <a:r>
+              <a:rPr lang="en-US" sz="2400" dirty="0"/>
+              <a:t> through </a:t>
+            </a:r>
+            <a:r>
+              <a:rPr lang="en-US" sz="2400" dirty="0" err="1"/>
+              <a:t>missmaps</a:t>
+            </a:r>
+            <a:r>
+              <a:rPr lang="en-US" sz="2400" dirty="0"/>
+              <a:t>.</a:t>
+            </a:r>
+          </a:p>
+          <a:p>
+            <a:pPr marL="342900" indent="-342900">
+              <a:buFont typeface="Wingdings" panose="05000000000000000000" pitchFamily="2" charset="2"/>
+              <a:buChar char="ü"/>
+            </a:pPr>
+            <a:r>
+              <a:rPr lang="en-US" sz="2400" dirty="0" err="1"/>
+              <a:t>Subsetting</a:t>
+            </a:r>
+            <a:r>
+              <a:rPr lang="en-US" sz="2400" dirty="0"/>
+              <a:t> </a:t>
+            </a:r>
+            <a:r>
+              <a:rPr lang="en-US" sz="2400" dirty="0" err="1"/>
+              <a:t>dataframes</a:t>
+            </a:r>
+            <a:r>
+              <a:rPr lang="en-US" sz="2400" dirty="0"/>
+              <a:t> with loc, </a:t>
+            </a:r>
+            <a:r>
+              <a:rPr lang="en-US" sz="2400" dirty="0" err="1"/>
+              <a:t>iloc</a:t>
+            </a:r>
+            <a:r>
+              <a:rPr lang="en-US" sz="2400" dirty="0"/>
+              <a:t> functions.</a:t>
+            </a:r>
+          </a:p>
+          <a:p>
+            <a:pPr marL="342900" indent="-342900">
+              <a:buFont typeface="Wingdings" panose="05000000000000000000" pitchFamily="2" charset="2"/>
+              <a:buChar char="ü"/>
+            </a:pPr>
+            <a:r>
+              <a:rPr lang="en-US" sz="2400" dirty="0"/>
+              <a:t>Worked </a:t>
+            </a:r>
+            <a:r>
+              <a:rPr lang="en-US" sz="2400" dirty="0" err="1"/>
+              <a:t>dataframes</a:t>
+            </a:r>
+            <a:r>
+              <a:rPr lang="en-US" sz="2400" dirty="0"/>
+              <a:t> with one and two level indexes.</a:t>
+            </a:r>
+          </a:p>
+          <a:p>
+            <a:pPr marL="342900" indent="-342900">
+              <a:buFont typeface="Wingdings" panose="05000000000000000000" pitchFamily="2" charset="2"/>
+              <a:buChar char="ü"/>
+            </a:pPr>
+            <a:r>
+              <a:rPr lang="en-US" sz="2400" dirty="0"/>
+              <a:t>Created special tables with </a:t>
+            </a:r>
+            <a:r>
+              <a:rPr lang="en-US" sz="2400" dirty="0" err="1"/>
+              <a:t>groupby</a:t>
+            </a:r>
+            <a:r>
+              <a:rPr lang="en-US" sz="2400" dirty="0"/>
+              <a:t> and pivot tables.</a:t>
+            </a:r>
+          </a:p>
+          <a:p>
+            <a:pPr marL="342900" indent="-342900">
+              <a:buFont typeface="Wingdings" panose="05000000000000000000" pitchFamily="2" charset="2"/>
+              <a:buChar char="ü"/>
+            </a:pPr>
+            <a:r>
+              <a:rPr lang="en-US" sz="2400" dirty="0"/>
+              <a:t>Created new variables using lambda functions.</a:t>
+            </a:r>
+          </a:p>
+          <a:p>
+            <a:endParaRPr lang="en-US" sz="2400" dirty="0"/>
+          </a:p>
+        </p:txBody>
+      </p:sp>
+      <p:sp>
+        <p:nvSpPr>
+          <p:cNvPr id="6" name="TextBox 5">
+            <a:extLst>
+              <a:ext uri="{FF2B5EF4-FFF2-40B4-BE49-F238E27FC236}">
+                <a16:creationId xmlns:a16="http://schemas.microsoft.com/office/drawing/2014/main" id="{97BC53FD-83AB-4394-9878-9FF8157003E0}"/>
+              </a:ext>
+            </a:extLst>
+          </p:cNvPr>
+          <p:cNvSpPr txBox="1"/>
+          <p:nvPr/>
+        </p:nvSpPr>
+        <p:spPr>
+          <a:xfrm>
+            <a:off x="1259632" y="260648"/>
+            <a:ext cx="6120680" cy="584775"/>
+          </a:xfrm>
+          <a:prstGeom prst="rect">
+            <a:avLst/>
+          </a:prstGeom>
+          <a:noFill/>
+        </p:spPr>
+        <p:txBody>
+          <a:bodyPr wrap="square" rtlCol="0">
+            <a:spAutoFit/>
+          </a:bodyPr>
+          <a:lstStyle/>
+          <a:p>
+            <a:pPr algn="ctr"/>
+            <a:r>
+              <a:rPr lang="en-US" sz="3200" b="1" dirty="0"/>
+              <a:t>Script or programming activities</a:t>
+            </a:r>
+          </a:p>
+        </p:txBody>
+      </p:sp>
+    </p:spTree>
+    <p:extLst>
+      <p:ext uri="{BB962C8B-B14F-4D97-AF65-F5344CB8AC3E}">
+        <p14:creationId xmlns:p14="http://schemas.microsoft.com/office/powerpoint/2010/main" val="2388560331"/>
+      </p:ext>
+    </p:extLst>
+  </p:cSld>
+  <p:clrMapOvr>
+    <a:masterClrMapping/>
+  </p:clrMapOvr>
+</p:sld>
+</file>
+
+<file path=ppt/slides/slide47.xml><?xml version="1.0" encoding="utf-8"?>
+<p:sld xmlns:a="http://schemas.openxmlformats.org/drawingml/2006/main" xmlns:r="http://schemas.openxmlformats.org/officeDocument/2006/relationships" xmlns:p="http://schemas.openxmlformats.org/presentationml/2006/main">
+  <p:cSld>
+    <p:spTree>
+      <p:nvGrpSpPr>
+        <p:cNvPr id="1" name=""/>
+        <p:cNvGrpSpPr/>
+        <p:nvPr/>
+      </p:nvGrpSpPr>
+      <p:grpSpPr>
+        <a:xfrm>
+          <a:off x="0" y="0"/>
+          <a:ext cx="0" cy="0"/>
+          <a:chOff x="0" y="0"/>
+          <a:chExt cx="0" cy="0"/>
+        </a:xfrm>
+      </p:grpSpPr>
+      <p:sp>
+        <p:nvSpPr>
+          <p:cNvPr id="3" name="Slide Number Placeholder 2">
+            <a:extLst>
+              <a:ext uri="{FF2B5EF4-FFF2-40B4-BE49-F238E27FC236}">
+                <a16:creationId xmlns:a16="http://schemas.microsoft.com/office/drawing/2014/main" id="{D9DD24AD-186A-4C42-AEA1-36E1981CF1D9}"/>
+              </a:ext>
+            </a:extLst>
+          </p:cNvPr>
+          <p:cNvSpPr>
+            <a:spLocks noGrp="1"/>
+          </p:cNvSpPr>
+          <p:nvPr>
+            <p:ph type="sldNum" sz="quarter" idx="12"/>
+          </p:nvPr>
+        </p:nvSpPr>
+        <p:spPr/>
+        <p:txBody>
+          <a:bodyPr/>
+          <a:lstStyle/>
+          <a:p>
+            <a:fld id="{DB0BF3D3-405C-493D-BC3F-5D81877E5B61}" type="slidenum">
+              <a:rPr lang="es-GT" smtClean="0"/>
+              <a:t>47</a:t>
+            </a:fld>
+            <a:endParaRPr lang="es-GT"/>
+          </a:p>
+        </p:txBody>
+      </p:sp>
+      <p:sp>
+        <p:nvSpPr>
+          <p:cNvPr id="4" name="TextBox 3">
+            <a:extLst>
+              <a:ext uri="{FF2B5EF4-FFF2-40B4-BE49-F238E27FC236}">
+                <a16:creationId xmlns:a16="http://schemas.microsoft.com/office/drawing/2014/main" id="{1396A194-AF61-47DA-AAB2-F6CC525C11FC}"/>
+              </a:ext>
+            </a:extLst>
+          </p:cNvPr>
+          <p:cNvSpPr txBox="1"/>
+          <p:nvPr/>
+        </p:nvSpPr>
+        <p:spPr>
+          <a:xfrm>
+            <a:off x="251520" y="974349"/>
+            <a:ext cx="8136904" cy="5539978"/>
+          </a:xfrm>
+          <a:prstGeom prst="rect">
+            <a:avLst/>
+          </a:prstGeom>
+          <a:noFill/>
+        </p:spPr>
+        <p:txBody>
+          <a:bodyPr wrap="square" rtlCol="0">
+            <a:spAutoFit/>
+          </a:bodyPr>
+          <a:lstStyle/>
+          <a:p>
+            <a:r>
+              <a:rPr lang="en-US" sz="2400" dirty="0"/>
+              <a:t>Visualization</a:t>
+            </a:r>
+          </a:p>
+          <a:p>
+            <a:pPr marL="342900" indent="-342900">
+              <a:buFont typeface="Wingdings" panose="05000000000000000000" pitchFamily="2" charset="2"/>
+              <a:buChar char="ü"/>
+            </a:pPr>
+            <a:r>
+              <a:rPr lang="en-US" sz="2400" dirty="0"/>
+              <a:t>Created histograms and subplots with matplotlib.</a:t>
+            </a:r>
+          </a:p>
+          <a:p>
+            <a:pPr marL="342900" indent="-342900">
+              <a:buFont typeface="Wingdings" panose="05000000000000000000" pitchFamily="2" charset="2"/>
+              <a:buChar char="ü"/>
+            </a:pPr>
+            <a:r>
+              <a:rPr lang="en-US" sz="2400" dirty="0"/>
+              <a:t>Created heat maps with seaborn.</a:t>
+            </a:r>
+          </a:p>
+          <a:p>
+            <a:pPr marL="342900" indent="-342900">
+              <a:buFont typeface="Wingdings" panose="05000000000000000000" pitchFamily="2" charset="2"/>
+              <a:buChar char="ü"/>
+            </a:pPr>
+            <a:r>
+              <a:rPr lang="en-US" sz="2400" dirty="0"/>
+              <a:t>Created timeseries maps indexing time (worked with list for titles).</a:t>
+            </a:r>
+          </a:p>
+          <a:p>
+            <a:endParaRPr lang="en-US" sz="2400" dirty="0"/>
+          </a:p>
+          <a:p>
+            <a:r>
+              <a:rPr lang="en-US" sz="2400" dirty="0"/>
+              <a:t>Modelling</a:t>
+            </a:r>
+          </a:p>
+          <a:p>
+            <a:pPr marL="342900" indent="-342900">
+              <a:buFont typeface="Wingdings" panose="05000000000000000000" pitchFamily="2" charset="2"/>
+              <a:buChar char="ü"/>
+            </a:pPr>
+            <a:r>
+              <a:rPr lang="en-US" sz="2400" dirty="0"/>
               <a:t> Worked with </a:t>
             </a:r>
             <a:r>
@@ -10142,6 +10718,39 @@
             <a:r>
               <a:rPr lang="en-US" sz="2400" dirty="0"/>
               <a:t> optimized to get an optimal portfolio (R software). </a:t>
+            </a:r>
+            <a:endParaRPr lang="en-US" sz="2400" dirty="0">
+              <a:solidFill>
+                <a:schemeClr val="tx2"/>
+              </a:solidFill>
+            </a:endParaRPr>
+          </a:p>
+          <a:p>
+            <a:pPr marL="342900" indent="-342900">
+              <a:buFont typeface="Wingdings" panose="05000000000000000000" pitchFamily="2" charset="2"/>
+              <a:buChar char="ü"/>
+            </a:pPr>
+            <a:r>
+              <a:rPr lang="en-US" sz="2400" dirty="0"/>
+              <a:t>Worked with nested loops to analyze stationarity.</a:t>
+            </a:r>
+          </a:p>
+          <a:p>
+            <a:pPr marL="342900" indent="-342900">
+              <a:buFont typeface="Wingdings" panose="05000000000000000000" pitchFamily="2" charset="2"/>
+              <a:buChar char="ü"/>
+            </a:pPr>
+            <a:r>
+              <a:rPr lang="en-US" sz="2400" dirty="0"/>
+              <a:t>Worked with nested loops to get ARIMAS order over selected features (</a:t>
+            </a:r>
+            <a:r>
+              <a:rPr lang="en-US" sz="2400" dirty="0" err="1"/>
+              <a:t>Autoarima</a:t>
+            </a:r>
+            <a:r>
+              <a:rPr lang="en-US" sz="2400" dirty="0"/>
+              <a:t>). </a:t>
             </a:r>
             <a:r>
               <a:rPr lang="en-US" sz="2400" dirty="0">
@@ -10149,89 +10758,8 @@
                   <a:schemeClr val="tx2"/>
                 </a:solidFill>
               </a:rPr>
-              <a:t>(Note: Tried to use </a:t>
-            </a:r>
-            <a:r>
-              <a:rPr lang="en-US" sz="2400" dirty="0" err="1">
-                <a:solidFill>
-                  <a:schemeClr val="tx2"/>
-                </a:solidFill>
-              </a:rPr>
-              <a:t>scipy</a:t>
-            </a:r>
-            <a:r>
-              <a:rPr lang="en-US" sz="2400" dirty="0">
-                <a:solidFill>
-                  <a:schemeClr val="tx2"/>
-                </a:solidFill>
-              </a:rPr>
-              <a:t> and </a:t>
-            </a:r>
-            <a:r>
-              <a:rPr lang="en-US" sz="2400" dirty="0" err="1">
-                <a:solidFill>
-                  <a:schemeClr val="tx2"/>
-                </a:solidFill>
-              </a:rPr>
-              <a:t>cvxopt</a:t>
-            </a:r>
-            <a:r>
-              <a:rPr lang="en-US" sz="2400" dirty="0">
-                <a:solidFill>
-                  <a:schemeClr val="tx2"/>
-                </a:solidFill>
-              </a:rPr>
-              <a:t> with no results).</a:t>
-            </a:r>
-          </a:p>
-          <a:p>
-            <a:pPr marL="342900" indent="-342900">
-              <a:buFont typeface="Wingdings" panose="05000000000000000000" pitchFamily="2" charset="2"/>
-              <a:buChar char="ü"/>
-            </a:pPr>
-            <a:r>
-              <a:rPr lang="en-US" sz="2400" dirty="0"/>
-              <a:t>Worked with nested loops to analyze stationarity.</a:t>
-            </a:r>
-          </a:p>
-          <a:p>
-            <a:pPr marL="342900" indent="-342900">
-              <a:buFont typeface="Wingdings" panose="05000000000000000000" pitchFamily="2" charset="2"/>
-              <a:buChar char="ü"/>
-            </a:pPr>
-            <a:r>
-              <a:rPr lang="en-US" sz="2400" dirty="0"/>
-              <a:t>Worked with nested loops to get ARIMAS order over selected features (</a:t>
-            </a:r>
-            <a:r>
-              <a:rPr lang="en-US" sz="2400" dirty="0" err="1"/>
-              <a:t>Autoarima</a:t>
-            </a:r>
-            <a:r>
-              <a:rPr lang="en-US" sz="2400" dirty="0"/>
-              <a:t>). </a:t>
-            </a:r>
-            <a:r>
-              <a:rPr lang="en-US" sz="2400" dirty="0">
-                <a:solidFill>
-                  <a:schemeClr val="tx2"/>
-                </a:solidFill>
-              </a:rPr>
-              <a:t>(Note: Not same results as manual </a:t>
-            </a:r>
-            <a:r>
-              <a:rPr lang="en-US" sz="2400">
-                <a:solidFill>
-                  <a:schemeClr val="tx2"/>
-                </a:solidFill>
-              </a:rPr>
-              <a:t>analysis).</a:t>
-            </a:r>
-            <a:endParaRPr lang="en-US" sz="2400" dirty="0">
-              <a:solidFill>
-                <a:schemeClr val="tx2"/>
-              </a:solidFill>
-            </a:endParaRPr>
+              <a:t>(Note: Not same results as manual analysis).</a:t>
+            </a:r>
           </a:p>
           <a:p>
             <a:pPr marL="342900" indent="-342900">
@@ -10414,6 +10942,36 @@
           <a:xfrm>
             <a:off x="5434399" y="0"/>
             <a:ext cx="3488804" cy="2727255"/>
+          </a:xfrm>
+          <a:prstGeom prst="rect">
+            <a:avLst/>
+          </a:prstGeom>
+        </p:spPr>
+      </p:pic>
+      <p:pic>
+        <p:nvPicPr>
+          <p:cNvPr id="6" name="Picture 5">
+            <a:extLst>
+              <a:ext uri="{FF2B5EF4-FFF2-40B4-BE49-F238E27FC236}">
+                <a16:creationId xmlns:a16="http://schemas.microsoft.com/office/drawing/2014/main" id="{980886D5-52F9-4A86-8A1B-4396AD75DDA0}"/>
+              </a:ext>
+            </a:extLst>
+          </p:cNvPr>
+          <p:cNvPicPr>
+            <a:picLocks noChangeAspect="1"/>
+          </p:cNvPicPr>
+          <p:nvPr/>
+        </p:nvPicPr>
+        <p:blipFill>
+          <a:blip r:embed="rId3"/>
+          <a:stretch>
+            <a:fillRect/>
+          </a:stretch>
+        </p:blipFill>
+        <p:spPr>
+          <a:xfrm>
+            <a:off x="5858109" y="5495214"/>
+            <a:ext cx="2592288" cy="618852"/>
           </a:xfrm>
           <a:prstGeom prst="rect">
             <a:avLst/>
